--- a/Group presentation.pptx
+++ b/Group presentation.pptx
@@ -120,6 +120,11 @@
       </a:defRPr>
     </a:lvl9pPr>
   </p:defaultTextStyle>
+  <p:extLst>
+    <p:ext uri="{EFAFB233-063F-42B5-8137-9DF3F51BA10A}">
+      <p15:sldGuideLst xmlns:p15="http://schemas.microsoft.com/office/powerpoint/2012/main"/>
+    </p:ext>
+  </p:extLst>
 </p:presentation>
 </file>
 
@@ -3599,7 +3604,10 @@
           <a:bodyPr/>
           <a:lstStyle/>
           <a:p>
-            <a:endParaRPr lang="en-IE"/>
+            <a:r>
+              <a:rPr lang="en-IE" dirty="0"/>
+              <a:t>Graphs, work, explanations here</a:t>
+            </a:r>
           </a:p>
         </p:txBody>
       </p:sp>
@@ -3624,7 +3632,10 @@
           <a:bodyPr/>
           <a:lstStyle/>
           <a:p>
-            <a:endParaRPr lang="en-IE"/>
+            <a:r>
+              <a:rPr lang="en-IE" dirty="0"/>
+              <a:t>Once you’re done, you can finish, until then, keep edging and work, we’re so close</a:t>
+            </a:r>
           </a:p>
         </p:txBody>
       </p:sp>
@@ -3707,7 +3718,10 @@
           <a:bodyPr/>
           <a:lstStyle/>
           <a:p>
-            <a:endParaRPr lang="en-IE"/>
+            <a:r>
+              <a:rPr lang="en-IE" dirty="0"/>
+              <a:t>Seriously, don’t cum</a:t>
+            </a:r>
           </a:p>
         </p:txBody>
       </p:sp>
@@ -3732,7 +3746,10 @@
           <a:bodyPr/>
           <a:lstStyle/>
           <a:p>
-            <a:endParaRPr lang="en-IE"/>
+            <a:r>
+              <a:rPr lang="en-IE" dirty="0"/>
+              <a:t>Do your work, stop it, you can mew later</a:t>
+            </a:r>
           </a:p>
         </p:txBody>
       </p:sp>
@@ -4667,7 +4684,10 @@
           <a:bodyPr/>
           <a:lstStyle/>
           <a:p>
-            <a:endParaRPr lang="en-IE"/>
+            <a:r>
+              <a:rPr lang="en-IE" dirty="0"/>
+              <a:t>Put in graphs, explanations, show everything you did</a:t>
+            </a:r>
           </a:p>
         </p:txBody>
       </p:sp>
@@ -4692,7 +4712,10 @@
           <a:bodyPr/>
           <a:lstStyle/>
           <a:p>
-            <a:endParaRPr lang="en-IE"/>
+            <a:r>
+              <a:rPr lang="en-IE" dirty="0"/>
+              <a:t>Text box</a:t>
+            </a:r>
           </a:p>
         </p:txBody>
       </p:sp>
@@ -4979,7 +5002,10 @@
           <a:bodyPr/>
           <a:lstStyle/>
           <a:p>
-            <a:endParaRPr lang="en-IE"/>
+            <a:r>
+              <a:rPr lang="en-IE" dirty="0"/>
+              <a:t>Sup Goblin, show all your work, graphs and explanations</a:t>
+            </a:r>
           </a:p>
         </p:txBody>
       </p:sp>
@@ -5004,7 +5030,7 @@
           <a:bodyPr/>
           <a:lstStyle/>
           <a:p>
-            <a:endParaRPr lang="en-IE"/>
+            <a:endParaRPr lang="en-IE" dirty="0"/>
           </a:p>
         </p:txBody>
       </p:sp>
@@ -5087,7 +5113,10 @@
           <a:bodyPr/>
           <a:lstStyle/>
           <a:p>
-            <a:endParaRPr lang="en-IE"/>
+            <a:r>
+              <a:rPr lang="en-IE" dirty="0"/>
+              <a:t>Click to add text dummy</a:t>
+            </a:r>
           </a:p>
         </p:txBody>
       </p:sp>
